--- a/presentations/2018PowerHour_Presentation.pptx
+++ b/presentations/2018PowerHour_Presentation.pptx
@@ -567,11 +567,7 @@
           <a:p>
             <a:r>
               <a:rPr lang="en-US" baseline="0" dirty="0" smtClean="0"/>
-              <a:t>White women are not the answer to diversity </a:t>
-            </a:r>
-            <a:r>
-              <a:rPr lang="en-US" baseline="0" smtClean="0"/>
-              <a:t>in science.</a:t>
+              <a:t>White women are not the answer to diversity in science.</a:t>
             </a:r>
             <a:endParaRPr lang="en-US" dirty="0"/>
           </a:p>
@@ -5642,12 +5638,12 @@
               <a:t>Women are less likely to be hired if they </a:t>
             </a:r>
             <a:r>
-              <a:rPr lang="en-US" sz="2800" dirty="0" err="1" smtClean="0"/>
-              <a:t>belont</a:t>
-            </a:r>
-            <a:r>
               <a:rPr lang="en-US" sz="2800" dirty="0" smtClean="0"/>
-              <a:t> to a parent-teacher association, but not men</a:t>
+              <a:t>belong </a:t>
+            </a:r>
+            <a:r>
+              <a:rPr lang="en-US" sz="2800" dirty="0" smtClean="0"/>
+              <a:t>to a parent-teacher association, but not men</a:t>
             </a:r>
           </a:p>
           <a:p>
@@ -6085,44 +6081,6 @@
           <a:chExt cx="0" cy="0"/>
         </a:xfrm>
       </p:grpSpPr>
-      <p:sp>
-        <p:nvSpPr>
-          <p:cNvPr id="2" name="Title 1"/>
-          <p:cNvSpPr>
-            <a:spLocks noGrp="1"/>
-          </p:cNvSpPr>
-          <p:nvPr>
-            <p:ph type="title"/>
-          </p:nvPr>
-        </p:nvSpPr>
-        <p:spPr/>
-        <p:txBody>
-          <a:bodyPr/>
-          <a:lstStyle/>
-          <a:p>
-            <a:endParaRPr lang="en-CA"/>
-          </a:p>
-        </p:txBody>
-      </p:sp>
-      <p:sp>
-        <p:nvSpPr>
-          <p:cNvPr id="3" name="Content Placeholder 2"/>
-          <p:cNvSpPr>
-            <a:spLocks noGrp="1"/>
-          </p:cNvSpPr>
-          <p:nvPr>
-            <p:ph idx="1"/>
-          </p:nvPr>
-        </p:nvSpPr>
-        <p:spPr/>
-        <p:txBody>
-          <a:bodyPr/>
-          <a:lstStyle/>
-          <a:p>
-            <a:endParaRPr lang="en-CA" dirty="0"/>
-          </a:p>
-        </p:txBody>
-      </p:sp>
       <p:pic>
         <p:nvPicPr>
           <p:cNvPr id="8194" name="Picture 2" descr="Recommendation letters could cost         women jobs, promotions           Communal                                       ..."/>
@@ -6146,8 +6104,8 @@
         </p:blipFill>
         <p:spPr bwMode="auto">
           <a:xfrm>
-            <a:off x="2136775" y="785812"/>
-            <a:ext cx="7969388" cy="5983288"/>
+            <a:off x="1779587" y="88900"/>
+            <a:ext cx="9016043" cy="6769100"/>
           </a:xfrm>
           <a:prstGeom prst="rect">
             <a:avLst/>
@@ -6886,8 +6844,8 @@
         </p:blipFill>
         <p:spPr>
           <a:xfrm>
-            <a:off x="2857500" y="1970059"/>
-            <a:ext cx="6718300" cy="4276252"/>
+            <a:off x="1064554" y="142876"/>
+            <a:ext cx="9611384" cy="6117723"/>
           </a:xfrm>
           <a:prstGeom prst="rect">
             <a:avLst/>
